--- a/02_VSC-Tier-1Data-UseCases.pptx
+++ b/02_VSC-Tier-1Data-UseCases.pptx
@@ -6,10 +6,10 @@
     <p:sldMasterId id="2147483694" r:id="rId2"/>
   </p:sldMasterIdLst>
   <p:notesMasterIdLst>
-    <p:notesMasterId r:id="rId14"/>
+    <p:notesMasterId r:id="rId17"/>
   </p:notesMasterIdLst>
   <p:handoutMasterIdLst>
-    <p:handoutMasterId r:id="rId15"/>
+    <p:handoutMasterId r:id="rId18"/>
   </p:handoutMasterIdLst>
   <p:sldIdLst>
     <p:sldId id="261" r:id="rId3"/>
@@ -23,6 +23,9 @@
     <p:sldId id="262" r:id="rId11"/>
     <p:sldId id="522" r:id="rId12"/>
     <p:sldId id="523" r:id="rId13"/>
+    <p:sldId id="525" r:id="rId14"/>
+    <p:sldId id="526" r:id="rId15"/>
+    <p:sldId id="527" r:id="rId16"/>
   </p:sldIdLst>
   <p:sldSz cx="12192000" cy="6858000"/>
   <p:notesSz cx="6858000" cy="9144000"/>
@@ -6466,7 +6469,7 @@
           <a:p>
             <a:fld id="{8F591CCF-F6FD-734B-854A-5BC033593B1E}" type="datetimeFigureOut">
               <a:rPr lang="nl-NL" smtClean="0"/>
-              <a:t>26-4-2021</a:t>
+              <a:t>27-4-2021</a:t>
             </a:fld>
             <a:endParaRPr lang="nl-NL"/>
           </a:p>
@@ -6631,7 +6634,7 @@
           <a:p>
             <a:fld id="{23C66214-DB21-4647-B5DA-0D17CA592867}" type="datetimeFigureOut">
               <a:rPr lang="nl-NL" smtClean="0"/>
-              <a:t>26-4-2021</a:t>
+              <a:t>27-4-2021</a:t>
             </a:fld>
             <a:endParaRPr lang="nl-NL"/>
           </a:p>
@@ -6982,6 +6985,245 @@
 </p:notes>
 </file>
 
+<file path=ppt/notesSlides/notesSlide10.xml><?xml version="1.0" encoding="utf-8"?>
+<p:notes xmlns:a="http://schemas.openxmlformats.org/drawingml/2006/main" xmlns:r="http://schemas.openxmlformats.org/officeDocument/2006/relationships" xmlns:p="http://schemas.openxmlformats.org/presentationml/2006/main">
+  <p:cSld>
+    <p:spTree>
+      <p:nvGrpSpPr>
+        <p:cNvPr id="1" name=""/>
+        <p:cNvGrpSpPr/>
+        <p:nvPr/>
+      </p:nvGrpSpPr>
+      <p:grpSpPr>
+        <a:xfrm>
+          <a:off x="0" y="0"/>
+          <a:ext cx="0" cy="0"/>
+          <a:chOff x="0" y="0"/>
+          <a:chExt cx="0" cy="0"/>
+        </a:xfrm>
+      </p:grpSpPr>
+      <p:sp>
+        <p:nvSpPr>
+          <p:cNvPr id="2" name="Slide Image Placeholder 1"/>
+          <p:cNvSpPr>
+            <a:spLocks noGrp="1" noRot="1" noChangeAspect="1"/>
+          </p:cNvSpPr>
+          <p:nvPr>
+            <p:ph type="sldImg"/>
+          </p:nvPr>
+        </p:nvSpPr>
+        <p:spPr/>
+      </p:sp>
+      <p:sp>
+        <p:nvSpPr>
+          <p:cNvPr id="3" name="Notes Placeholder 2"/>
+          <p:cNvSpPr>
+            <a:spLocks noGrp="1"/>
+          </p:cNvSpPr>
+          <p:nvPr>
+            <p:ph type="body" idx="1"/>
+          </p:nvPr>
+        </p:nvSpPr>
+        <p:spPr/>
+        <p:txBody>
+          <a:bodyPr/>
+          <a:lstStyle/>
+          <a:p>
+            <a:r>
+              <a:rPr lang="en-US" dirty="0">
+                <a:cs typeface="Calibri"/>
+              </a:rPr>
+              <a:t>Top Users Dashboard: </a:t>
+            </a:r>
+            <a:endParaRPr lang="en-US">
+              <a:cs typeface="Calibri"/>
+            </a:endParaRPr>
+          </a:p>
+          <a:p>
+            <a:endParaRPr lang="en-US" dirty="0">
+              <a:cs typeface="Calibri"/>
+            </a:endParaRPr>
+          </a:p>
+          <a:p>
+            <a:r>
+              <a:rPr lang="en-US" dirty="0">
+                <a:cs typeface="Calibri"/>
+              </a:rPr>
+              <a:t>- Left top shows the top ten users who triggered PEPs  - hits</a:t>
+            </a:r>
+          </a:p>
+          <a:p>
+            <a:r>
+              <a:rPr lang="en-US" dirty="0">
+                <a:cs typeface="Calibri"/>
+              </a:rPr>
+              <a:t>- Right top shows the users who triggered hits based on the Zone.</a:t>
+            </a:r>
+          </a:p>
+          <a:p>
+            <a:r>
+              <a:rPr lang="en-US" dirty="0">
+                <a:cs typeface="Calibri"/>
+              </a:rPr>
+              <a:t>- Left bottom shows the size of the total uploaded data per user. (Results are here not fully correct/reliable. Because of an issue)</a:t>
+            </a:r>
+          </a:p>
+          <a:p>
+            <a:r>
+              <a:rPr lang="en-US" dirty="0">
+                <a:cs typeface="Calibri"/>
+              </a:rPr>
+              <a:t>- Right bottom shows the number of data objects uploaded per users.</a:t>
+            </a:r>
+          </a:p>
+        </p:txBody>
+      </p:sp>
+      <p:sp>
+        <p:nvSpPr>
+          <p:cNvPr id="4" name="Slide Number Placeholder 3"/>
+          <p:cNvSpPr>
+            <a:spLocks noGrp="1"/>
+          </p:cNvSpPr>
+          <p:nvPr>
+            <p:ph type="sldNum" sz="quarter" idx="5"/>
+          </p:nvPr>
+        </p:nvSpPr>
+        <p:spPr/>
+        <p:txBody>
+          <a:bodyPr/>
+          <a:lstStyle/>
+          <a:p>
+            <a:fld id="{8954E32A-327F-AF4B-8E1F-209FBF93D26D}" type="slidenum">
+              <a:rPr lang="nl-NL" smtClean="0"/>
+              <a:t>13</a:t>
+            </a:fld>
+            <a:endParaRPr lang="nl-NL"/>
+          </a:p>
+        </p:txBody>
+      </p:sp>
+    </p:spTree>
+    <p:extLst>
+      <p:ext uri="{BB962C8B-B14F-4D97-AF65-F5344CB8AC3E}">
+        <p14:creationId xmlns:p14="http://schemas.microsoft.com/office/powerpoint/2010/main" val="1221898307"/>
+      </p:ext>
+    </p:extLst>
+  </p:cSld>
+  <p:clrMapOvr>
+    <a:masterClrMapping/>
+  </p:clrMapOvr>
+</p:notes>
+</file>
+
+<file path=ppt/notesSlides/notesSlide11.xml><?xml version="1.0" encoding="utf-8"?>
+<p:notes xmlns:a="http://schemas.openxmlformats.org/drawingml/2006/main" xmlns:r="http://schemas.openxmlformats.org/officeDocument/2006/relationships" xmlns:p="http://schemas.openxmlformats.org/presentationml/2006/main">
+  <p:cSld>
+    <p:spTree>
+      <p:nvGrpSpPr>
+        <p:cNvPr id="1" name=""/>
+        <p:cNvGrpSpPr/>
+        <p:nvPr/>
+      </p:nvGrpSpPr>
+      <p:grpSpPr>
+        <a:xfrm>
+          <a:off x="0" y="0"/>
+          <a:ext cx="0" cy="0"/>
+          <a:chOff x="0" y="0"/>
+          <a:chExt cx="0" cy="0"/>
+        </a:xfrm>
+      </p:grpSpPr>
+      <p:sp>
+        <p:nvSpPr>
+          <p:cNvPr id="2" name="Slide Image Placeholder 1"/>
+          <p:cNvSpPr>
+            <a:spLocks noGrp="1" noRot="1" noChangeAspect="1"/>
+          </p:cNvSpPr>
+          <p:nvPr>
+            <p:ph type="sldImg"/>
+          </p:nvPr>
+        </p:nvSpPr>
+        <p:spPr/>
+      </p:sp>
+      <p:sp>
+        <p:nvSpPr>
+          <p:cNvPr id="3" name="Notes Placeholder 2"/>
+          <p:cNvSpPr>
+            <a:spLocks noGrp="1"/>
+          </p:cNvSpPr>
+          <p:nvPr>
+            <p:ph type="body" idx="1"/>
+          </p:nvPr>
+        </p:nvSpPr>
+        <p:spPr/>
+        <p:txBody>
+          <a:bodyPr/>
+          <a:lstStyle/>
+          <a:p>
+            <a:r>
+              <a:rPr lang="en-US" dirty="0">
+                <a:cs typeface="Calibri"/>
+              </a:rPr>
+              <a:t>This is the discovery section of Kibana:</a:t>
+            </a:r>
+          </a:p>
+          <a:p>
+            <a:endParaRPr lang="en-US" dirty="0">
+              <a:cs typeface="Calibri"/>
+            </a:endParaRPr>
+          </a:p>
+          <a:p>
+            <a:r>
+              <a:rPr lang="en-US" dirty="0">
+                <a:cs typeface="Calibri"/>
+              </a:rPr>
+              <a:t>- You can investigate your all foot-stamp/actions. And you can grab some meaningful results.</a:t>
+            </a:r>
+          </a:p>
+          <a:p>
+            <a:r>
+              <a:rPr lang="en-US" dirty="0">
+                <a:cs typeface="Calibri"/>
+              </a:rPr>
+              <a:t>- Here you can see some uploaded data objects and some useful info with.</a:t>
+            </a:r>
+          </a:p>
+        </p:txBody>
+      </p:sp>
+      <p:sp>
+        <p:nvSpPr>
+          <p:cNvPr id="4" name="Slide Number Placeholder 3"/>
+          <p:cNvSpPr>
+            <a:spLocks noGrp="1"/>
+          </p:cNvSpPr>
+          <p:nvPr>
+            <p:ph type="sldNum" sz="quarter" idx="5"/>
+          </p:nvPr>
+        </p:nvSpPr>
+        <p:spPr/>
+        <p:txBody>
+          <a:bodyPr/>
+          <a:lstStyle/>
+          <a:p>
+            <a:fld id="{8954E32A-327F-AF4B-8E1F-209FBF93D26D}" type="slidenum">
+              <a:rPr lang="nl-NL" smtClean="0"/>
+              <a:t>14</a:t>
+            </a:fld>
+            <a:endParaRPr lang="nl-NL"/>
+          </a:p>
+        </p:txBody>
+      </p:sp>
+    </p:spTree>
+    <p:extLst>
+      <p:ext uri="{BB962C8B-B14F-4D97-AF65-F5344CB8AC3E}">
+        <p14:creationId xmlns:p14="http://schemas.microsoft.com/office/powerpoint/2010/main" val="3963197688"/>
+      </p:ext>
+    </p:extLst>
+  </p:cSld>
+  <p:clrMapOvr>
+    <a:masterClrMapping/>
+  </p:clrMapOvr>
+</p:notes>
+</file>
+
 <file path=ppt/notesSlides/notesSlide2.xml><?xml version="1.0" encoding="utf-8"?>
 <p:notes xmlns:a="http://schemas.openxmlformats.org/drawingml/2006/main" xmlns:r="http://schemas.openxmlformats.org/officeDocument/2006/relationships" xmlns:p="http://schemas.openxmlformats.org/presentationml/2006/main">
   <p:cSld>
@@ -8829,6 +9071,115 @@
     <p:extLst>
       <p:ext uri="{BB962C8B-B14F-4D97-AF65-F5344CB8AC3E}">
         <p14:creationId xmlns:p14="http://schemas.microsoft.com/office/powerpoint/2010/main" val="3887197209"/>
+      </p:ext>
+    </p:extLst>
+  </p:cSld>
+  <p:clrMapOvr>
+    <a:masterClrMapping/>
+  </p:clrMapOvr>
+</p:notes>
+</file>
+
+<file path=ppt/notesSlides/notesSlide9.xml><?xml version="1.0" encoding="utf-8"?>
+<p:notes xmlns:a="http://schemas.openxmlformats.org/drawingml/2006/main" xmlns:r="http://schemas.openxmlformats.org/officeDocument/2006/relationships" xmlns:p="http://schemas.openxmlformats.org/presentationml/2006/main">
+  <p:cSld>
+    <p:spTree>
+      <p:nvGrpSpPr>
+        <p:cNvPr id="1" name=""/>
+        <p:cNvGrpSpPr/>
+        <p:nvPr/>
+      </p:nvGrpSpPr>
+      <p:grpSpPr>
+        <a:xfrm>
+          <a:off x="0" y="0"/>
+          <a:ext cx="0" cy="0"/>
+          <a:chOff x="0" y="0"/>
+          <a:chExt cx="0" cy="0"/>
+        </a:xfrm>
+      </p:grpSpPr>
+      <p:sp>
+        <p:nvSpPr>
+          <p:cNvPr id="2" name="Slide Image Placeholder 1"/>
+          <p:cNvSpPr>
+            <a:spLocks noGrp="1" noRot="1" noChangeAspect="1"/>
+          </p:cNvSpPr>
+          <p:nvPr>
+            <p:ph type="sldImg"/>
+          </p:nvPr>
+        </p:nvSpPr>
+        <p:spPr/>
+      </p:sp>
+      <p:sp>
+        <p:nvSpPr>
+          <p:cNvPr id="3" name="Notes Placeholder 2"/>
+          <p:cNvSpPr>
+            <a:spLocks noGrp="1"/>
+          </p:cNvSpPr>
+          <p:nvPr>
+            <p:ph type="body" idx="1"/>
+          </p:nvPr>
+        </p:nvSpPr>
+        <p:spPr/>
+        <p:txBody>
+          <a:bodyPr/>
+          <a:lstStyle/>
+          <a:p>
+            <a:r>
+              <a:rPr lang="en-US" dirty="0">
+                <a:cs typeface="Calibri"/>
+              </a:rPr>
+              <a:t>Kibana General Dashboard:</a:t>
+            </a:r>
+          </a:p>
+          <a:p>
+            <a:r>
+              <a:rPr lang="en-US" dirty="0">
+                <a:cs typeface="Calibri"/>
+              </a:rPr>
+              <a:t>-These give some useful information about connections to </a:t>
+            </a:r>
+            <a:r>
+              <a:rPr lang="en-US" dirty="0" err="1">
+                <a:cs typeface="Calibri"/>
+              </a:rPr>
+              <a:t>iRODS</a:t>
+            </a:r>
+            <a:r>
+              <a:rPr lang="en-US" dirty="0">
+                <a:cs typeface="Calibri"/>
+              </a:rPr>
+              <a:t> based on the selected time – period. </a:t>
+            </a:r>
+          </a:p>
+        </p:txBody>
+      </p:sp>
+      <p:sp>
+        <p:nvSpPr>
+          <p:cNvPr id="4" name="Slide Number Placeholder 3"/>
+          <p:cNvSpPr>
+            <a:spLocks noGrp="1"/>
+          </p:cNvSpPr>
+          <p:nvPr>
+            <p:ph type="sldNum" sz="quarter" idx="5"/>
+          </p:nvPr>
+        </p:nvSpPr>
+        <p:spPr/>
+        <p:txBody>
+          <a:bodyPr/>
+          <a:lstStyle/>
+          <a:p>
+            <a:fld id="{8954E32A-327F-AF4B-8E1F-209FBF93D26D}" type="slidenum">
+              <a:rPr lang="nl-NL" smtClean="0"/>
+              <a:t>12</a:t>
+            </a:fld>
+            <a:endParaRPr lang="nl-NL"/>
+          </a:p>
+        </p:txBody>
+      </p:sp>
+    </p:spTree>
+    <p:extLst>
+      <p:ext uri="{BB962C8B-B14F-4D97-AF65-F5344CB8AC3E}">
+        <p14:creationId xmlns:p14="http://schemas.microsoft.com/office/powerpoint/2010/main" val="283786257"/>
       </p:ext>
     </p:extLst>
   </p:cSld>
@@ -9288,7 +9639,7 @@
           <a:p>
             <a:fld id="{5375683E-D0D1-428C-8CCD-7EA26783A848}" type="datetimeFigureOut">
               <a:rPr lang="nl-BE" smtClean="0"/>
-              <a:t>26/04/2021</a:t>
+              <a:t>27/04/2021</a:t>
             </a:fld>
             <a:endParaRPr lang="nl-BE"/>
           </a:p>
@@ -10016,7 +10367,7 @@
           <a:p>
             <a:fld id="{630E9AEB-3B61-40DA-93C9-6A90B0CABC81}" type="datetime1">
               <a:rPr lang="nl-BE" smtClean="0"/>
-              <a:t>26/04/2021</a:t>
+              <a:t>27/04/2021</a:t>
             </a:fld>
             <a:endParaRPr lang="nl-NL"/>
           </a:p>
@@ -10299,7 +10650,7 @@
           <a:p>
             <a:fld id="{E1144E98-BADC-43EF-B68C-A900785218B7}" type="datetime1">
               <a:rPr lang="nl-BE" smtClean="0"/>
-              <a:t>26/04/2021</a:t>
+              <a:t>27/04/2021</a:t>
             </a:fld>
             <a:endParaRPr lang="nl-NL"/>
           </a:p>
@@ -10629,7 +10980,7 @@
           <a:p>
             <a:fld id="{15175995-3991-41C4-8A8D-E22DC26039C0}" type="datetime1">
               <a:rPr lang="nl-BE" smtClean="0"/>
-              <a:t>26/04/2021</a:t>
+              <a:t>27/04/2021</a:t>
             </a:fld>
             <a:endParaRPr lang="nl-NL"/>
           </a:p>
@@ -10949,7 +11300,7 @@
           <a:p>
             <a:fld id="{E2C5B7A8-A032-42DC-895A-201AC7DB8646}" type="datetime1">
               <a:rPr lang="nl-BE" smtClean="0"/>
-              <a:t>26/04/2021</a:t>
+              <a:t>27/04/2021</a:t>
             </a:fld>
             <a:endParaRPr lang="nl-NL" dirty="0"/>
           </a:p>
@@ -11270,7 +11621,7 @@
           <a:p>
             <a:fld id="{E8E53C95-01B7-442B-9157-08ED36F76F3C}" type="datetime1">
               <a:rPr lang="nl-BE" smtClean="0"/>
-              <a:t>26/04/2021</a:t>
+              <a:t>27/04/2021</a:t>
             </a:fld>
             <a:endParaRPr lang="nl-NL" dirty="0"/>
           </a:p>
@@ -11412,7 +11763,7 @@
           <a:p>
             <a:fld id="{50D3EC57-1E68-4A1D-A551-DCE46BD791C6}" type="datetime1">
               <a:rPr lang="nl-BE" smtClean="0"/>
-              <a:t>26/04/2021</a:t>
+              <a:t>27/04/2021</a:t>
             </a:fld>
             <a:endParaRPr lang="nl-NL"/>
           </a:p>
@@ -11896,7 +12247,7 @@
           <a:p>
             <a:fld id="{7FA88303-CC7E-4D0C-BB25-E38DFC5B13BB}" type="datetime1">
               <a:rPr lang="nl-BE" smtClean="0"/>
-              <a:t>26/04/2021</a:t>
+              <a:t>27/04/2021</a:t>
             </a:fld>
             <a:endParaRPr lang="nl-NL" dirty="0"/>
           </a:p>
@@ -12017,7 +12368,7 @@
           <a:p>
             <a:fld id="{290E1377-46D8-4210-B7FF-1512E92E466C}" type="datetime1">
               <a:rPr lang="nl-BE" smtClean="0"/>
-              <a:t>26/04/2021</a:t>
+              <a:t>27/04/2021</a:t>
             </a:fld>
             <a:endParaRPr lang="nl-NL"/>
           </a:p>
@@ -12138,7 +12489,7 @@
           <a:p>
             <a:fld id="{FD3B2FE4-CC50-43C1-B18E-5643057D1080}" type="datetime1">
               <a:rPr lang="nl-BE" smtClean="0"/>
-              <a:t>26/04/2021</a:t>
+              <a:t>27/04/2021</a:t>
             </a:fld>
             <a:endParaRPr lang="nl-NL"/>
           </a:p>
@@ -12320,7 +12671,7 @@
           <a:p>
             <a:fld id="{6538D7E1-880B-4291-B19F-A3787A4C00CC}" type="datetime1">
               <a:rPr lang="nl-BE" smtClean="0"/>
-              <a:t>26/04/2021</a:t>
+              <a:t>27/04/2021</a:t>
             </a:fld>
             <a:endParaRPr lang="nl-NL" dirty="0"/>
           </a:p>
@@ -12604,7 +12955,7 @@
           <a:p>
             <a:fld id="{F272EF29-7C63-44F3-9C9A-F68D6821878F}" type="datetime1">
               <a:rPr lang="nl-BE" smtClean="0"/>
-              <a:t>26/04/2021</a:t>
+              <a:t>27/04/2021</a:t>
             </a:fld>
             <a:endParaRPr lang="nl-NL" dirty="0"/>
           </a:p>
@@ -13248,7 +13599,7 @@
           <a:p>
             <a:fld id="{9EA81302-6EA0-4065-BC26-73D5CB3FD901}" type="datetime1">
               <a:rPr lang="nl-BE" smtClean="0"/>
-              <a:t>26/04/2021</a:t>
+              <a:t>27/04/2021</a:t>
             </a:fld>
             <a:endParaRPr lang="nl-NL" dirty="0"/>
           </a:p>
@@ -18520,6 +18871,189 @@
       </p:par>
     </p:tnLst>
   </p:timing>
+</p:sld>
+</file>
+
+<file path=ppt/slides/slide12.xml><?xml version="1.0" encoding="utf-8"?>
+<p:sld xmlns:a="http://schemas.openxmlformats.org/drawingml/2006/main" xmlns:r="http://schemas.openxmlformats.org/officeDocument/2006/relationships" xmlns:p="http://schemas.openxmlformats.org/presentationml/2006/main">
+  <p:cSld>
+    <p:spTree>
+      <p:nvGrpSpPr>
+        <p:cNvPr id="1" name=""/>
+        <p:cNvGrpSpPr/>
+        <p:nvPr/>
+      </p:nvGrpSpPr>
+      <p:grpSpPr>
+        <a:xfrm>
+          <a:off x="0" y="0"/>
+          <a:ext cx="0" cy="0"/>
+          <a:chOff x="0" y="0"/>
+          <a:chExt cx="0" cy="0"/>
+        </a:xfrm>
+      </p:grpSpPr>
+      <p:pic>
+        <p:nvPicPr>
+          <p:cNvPr id="4" name="Picture 3">
+            <a:extLst>
+              <a:ext uri="{FF2B5EF4-FFF2-40B4-BE49-F238E27FC236}">
+                <a16:creationId xmlns:a16="http://schemas.microsoft.com/office/drawing/2014/main" id="{A5C2C746-E430-469A-A777-F7B1590D9F1B}"/>
+              </a:ext>
+            </a:extLst>
+          </p:cNvPr>
+          <p:cNvPicPr>
+            <a:picLocks noChangeAspect="1"/>
+          </p:cNvPicPr>
+          <p:nvPr/>
+        </p:nvPicPr>
+        <p:blipFill>
+          <a:blip r:embed="rId3"/>
+          <a:stretch>
+            <a:fillRect/>
+          </a:stretch>
+        </p:blipFill>
+        <p:spPr>
+          <a:xfrm>
+            <a:off x="1507862" y="163724"/>
+            <a:ext cx="9176275" cy="6046276"/>
+          </a:xfrm>
+          <a:prstGeom prst="rect">
+            <a:avLst/>
+          </a:prstGeom>
+        </p:spPr>
+      </p:pic>
+    </p:spTree>
+    <p:extLst>
+      <p:ext uri="{BB962C8B-B14F-4D97-AF65-F5344CB8AC3E}">
+        <p14:creationId xmlns:p14="http://schemas.microsoft.com/office/powerpoint/2010/main" val="2944800017"/>
+      </p:ext>
+    </p:extLst>
+  </p:cSld>
+  <p:clrMapOvr>
+    <a:masterClrMapping/>
+  </p:clrMapOvr>
+  <p:transition advClick="0"/>
+</p:sld>
+</file>
+
+<file path=ppt/slides/slide13.xml><?xml version="1.0" encoding="utf-8"?>
+<p:sld xmlns:a="http://schemas.openxmlformats.org/drawingml/2006/main" xmlns:r="http://schemas.openxmlformats.org/officeDocument/2006/relationships" xmlns:p="http://schemas.openxmlformats.org/presentationml/2006/main">
+  <p:cSld>
+    <p:spTree>
+      <p:nvGrpSpPr>
+        <p:cNvPr id="1" name=""/>
+        <p:cNvGrpSpPr/>
+        <p:nvPr/>
+      </p:nvGrpSpPr>
+      <p:grpSpPr>
+        <a:xfrm>
+          <a:off x="0" y="0"/>
+          <a:ext cx="0" cy="0"/>
+          <a:chOff x="0" y="0"/>
+          <a:chExt cx="0" cy="0"/>
+        </a:xfrm>
+      </p:grpSpPr>
+      <p:pic>
+        <p:nvPicPr>
+          <p:cNvPr id="3" name="Picture 3" descr="Chart&#10;&#10;Description automatically generated">
+            <a:extLst>
+              <a:ext uri="{FF2B5EF4-FFF2-40B4-BE49-F238E27FC236}">
+                <a16:creationId xmlns:a16="http://schemas.microsoft.com/office/drawing/2014/main" id="{FA84C567-E70C-40EE-A978-FB5A6AFBAE08}"/>
+              </a:ext>
+            </a:extLst>
+          </p:cNvPr>
+          <p:cNvPicPr>
+            <a:picLocks noChangeAspect="1"/>
+          </p:cNvPicPr>
+          <p:nvPr/>
+        </p:nvPicPr>
+        <p:blipFill>
+          <a:blip r:embed="rId3"/>
+          <a:stretch>
+            <a:fillRect/>
+          </a:stretch>
+        </p:blipFill>
+        <p:spPr>
+          <a:xfrm>
+            <a:off x="1181595" y="99406"/>
+            <a:ext cx="9571510" cy="6085214"/>
+          </a:xfrm>
+          <a:prstGeom prst="rect">
+            <a:avLst/>
+          </a:prstGeom>
+        </p:spPr>
+      </p:pic>
+    </p:spTree>
+    <p:extLst>
+      <p:ext uri="{BB962C8B-B14F-4D97-AF65-F5344CB8AC3E}">
+        <p14:creationId xmlns:p14="http://schemas.microsoft.com/office/powerpoint/2010/main" val="1294000638"/>
+      </p:ext>
+    </p:extLst>
+  </p:cSld>
+  <p:clrMapOvr>
+    <a:masterClrMapping/>
+  </p:clrMapOvr>
+  <p:transition advClick="0"/>
+</p:sld>
+</file>
+
+<file path=ppt/slides/slide14.xml><?xml version="1.0" encoding="utf-8"?>
+<p:sld xmlns:a="http://schemas.openxmlformats.org/drawingml/2006/main" xmlns:r="http://schemas.openxmlformats.org/officeDocument/2006/relationships" xmlns:p="http://schemas.openxmlformats.org/presentationml/2006/main">
+  <p:cSld>
+    <p:spTree>
+      <p:nvGrpSpPr>
+        <p:cNvPr id="1" name=""/>
+        <p:cNvGrpSpPr/>
+        <p:nvPr/>
+      </p:nvGrpSpPr>
+      <p:grpSpPr>
+        <a:xfrm>
+          <a:off x="0" y="0"/>
+          <a:ext cx="0" cy="0"/>
+          <a:chOff x="0" y="0"/>
+          <a:chExt cx="0" cy="0"/>
+        </a:xfrm>
+      </p:grpSpPr>
+      <p:pic>
+        <p:nvPicPr>
+          <p:cNvPr id="3" name="Picture 3">
+            <a:extLst>
+              <a:ext uri="{FF2B5EF4-FFF2-40B4-BE49-F238E27FC236}">
+                <a16:creationId xmlns:a16="http://schemas.microsoft.com/office/drawing/2014/main" id="{F8690585-5F6C-4CA8-9C1C-3C8DFFD43C8B}"/>
+              </a:ext>
+            </a:extLst>
+          </p:cNvPr>
+          <p:cNvPicPr>
+            <a:picLocks noChangeAspect="1"/>
+          </p:cNvPicPr>
+          <p:nvPr/>
+        </p:nvPicPr>
+        <p:blipFill>
+          <a:blip r:embed="rId3"/>
+          <a:stretch>
+            <a:fillRect/>
+          </a:stretch>
+        </p:blipFill>
+        <p:spPr>
+          <a:xfrm>
+            <a:off x="716479" y="123137"/>
+            <a:ext cx="10956964" cy="5948688"/>
+          </a:xfrm>
+          <a:prstGeom prst="rect">
+            <a:avLst/>
+          </a:prstGeom>
+        </p:spPr>
+      </p:pic>
+    </p:spTree>
+    <p:extLst>
+      <p:ext uri="{BB962C8B-B14F-4D97-AF65-F5344CB8AC3E}">
+        <p14:creationId xmlns:p14="http://schemas.microsoft.com/office/powerpoint/2010/main" val="1512137280"/>
+      </p:ext>
+    </p:extLst>
+  </p:cSld>
+  <p:clrMapOvr>
+    <a:masterClrMapping/>
+  </p:clrMapOvr>
+  <p:transition advClick="0"/>
 </p:sld>
 </file>
 
